--- a/docs/minimum_unsplittable_flow_optimizer_sr.pptx
+++ b/docs/minimum_unsplittable_flow_optimizer_sr.pptx
@@ -48215,7 +48215,27 @@
           <a:p>
             <a:r>
               <a:rPr lang="sr-Latn-RS" dirty="0"/>
-              <a:t>Izvršavanje nad ovakvih skupom sa smanjenom tolerancijom na kriterijum zaustavljanja je trajalo oko ~3h</a:t>
+              <a:t>Izvršavanje nad ovakvih skupom sa </a:t>
+            </a:r>
+            <a:r>
+              <a:rPr lang="en-US" dirty="0" err="1"/>
+              <a:t>smanjenim</a:t>
+            </a:r>
+            <a:r>
+              <a:rPr lang="en-US" dirty="0"/>
+              <a:t> </a:t>
+            </a:r>
+            <a:r>
+              <a:rPr lang="en-US" dirty="0" err="1"/>
+              <a:t>vrednostima</a:t>
+            </a:r>
+            <a:r>
+              <a:rPr lang="en-US" dirty="0"/>
+              <a:t> za </a:t>
+            </a:r>
+            <a:r>
+              <a:rPr lang="sr-Latn-RS" dirty="0"/>
+              <a:t>kriterijum zaustavljanja je trajalo oko ~3h</a:t>
             </a:r>
           </a:p>
           <a:p>
@@ -49827,7 +49847,7 @@
             </a:r>
             <a:r>
               <a:rPr lang="sr-Latn-RS" dirty="0" err="1"/>
-              <a:t>tkt</a:t>
+              <a:t>tk</a:t>
             </a:r>
             <a:r>
               <a:rPr lang="sr-Latn-RS" dirty="0"/>

--- a/docs/minimum_unsplittable_flow_optimizer_sr.pptx
+++ b/docs/minimum_unsplittable_flow_optimizer_sr.pptx
@@ -251,7 +251,7 @@
           <a:p>
             <a:fld id="{8058D9CF-951F-4DB7-A66F-C025D3B84BF9}" type="datetimeFigureOut">
               <a:rPr lang="pl-PL" sz="1000" smtClean="0"/>
-              <a:t>28.09.2024</a:t>
+              <a:t>19.10.2024</a:t>
             </a:fld>
             <a:endParaRPr lang="pl-PL" sz="1000"/>
           </a:p>
@@ -428,7 +428,7 @@
             <a:fld id="{4CEB447A-91AE-4BEF-8DAE-D1B3BDF93E14}" type="datetimeFigureOut">
               <a:rPr lang="pl-PL" smtClean="0"/>
               <a:pPr/>
-              <a:t>28.09.2024</a:t>
+              <a:t>19.10.2024</a:t>
             </a:fld>
             <a:endParaRPr lang="pl-PL"/>
           </a:p>
@@ -51240,8 +51240,8 @@
               <a:t>Algoritam koristi </a:t>
             </a:r>
             <a:r>
-              <a:rPr lang="sr-Latn-RS" b="1" dirty="0" err="1"/>
-              <a:t>Kartezijev</a:t>
+              <a:rPr lang="en-US" b="1" dirty="0" err="1"/>
+              <a:t>Dekartov</a:t>
             </a:r>
             <a:r>
               <a:rPr lang="sr-Latn-RS" b="1" dirty="0"/>
@@ -51313,7 +51313,19 @@
             </a:r>
             <a:r>
               <a:rPr lang="sr-Latn-RS" dirty="0"/>
-              <a:t> sa 11 čvorova i 3 sudova, algoritam je generisao 5.7 miliona kombinacija, od kojih su samo 3041 bila validna.</a:t>
+              <a:t> sa 11 čvorova i 3 </a:t>
+            </a:r>
+            <a:r>
+              <a:rPr lang="en-US" dirty="0" err="1"/>
+              <a:t>ciljna</a:t>
+            </a:r>
+            <a:r>
+              <a:rPr lang="en-US" dirty="0"/>
+              <a:t> </a:t>
+            </a:r>
+            <a:r>
+              <a:rPr lang="sr-Latn-RS" dirty="0"/>
+              <a:t>čvora, algoritam je generisao 5.7 miliona kombinacija, od kojih su samo 3041 bila validna.</a:t>
             </a:r>
             <a:endParaRPr lang="sr-Latn-RS" b="1" dirty="0"/>
           </a:p>
